--- a/DDinside/DDinside_PPT.pptx
+++ b/DDinside/DDinside_PPT.pptx
@@ -4915,7 +4915,7 @@
         <p:spPr>
           <a:xfrm>
             <a:off x="156950" y="5963044"/>
-            <a:ext cx="2242922" cy="707886"/>
+            <a:ext cx="1213794" cy="707886"/>
           </a:xfrm>
           <a:prstGeom prst="rect">
             <a:avLst/>
@@ -4933,7 +4933,7 @@
                 <a:latin typeface="MS Mincho" panose="02020609040205080304" pitchFamily="49" charset="-128"/>
                 <a:ea typeface="MS Mincho" panose="02020609040205080304" pitchFamily="49" charset="-128"/>
               </a:rPr>
-              <a:t>開発期間</a:t>
+              <a:t>以外</a:t>
             </a:r>
             <a:endParaRPr lang="en-US" altLang="ja-JP" sz="4000" b="1" dirty="0">
               <a:latin typeface="MS Mincho" panose="02020609040205080304" pitchFamily="49" charset="-128"/>
@@ -4956,8 +4956,8 @@
         </p:nvSpPr>
         <p:spPr>
           <a:xfrm>
-            <a:off x="0" y="5963043"/>
-            <a:ext cx="2792361" cy="793549"/>
+            <a:off x="1" y="5963043"/>
+            <a:ext cx="1505712" cy="793549"/>
           </a:xfrm>
           <a:prstGeom prst="rect">
             <a:avLst/>
